--- a/Laboratory Latex/Lab11Stopwatch/LMS Upload Lab11/Lab11.pptx
+++ b/Laboratory Latex/Lab11Stopwatch/LMS Upload Lab11/Lab11.pptx
@@ -277,7 +277,7 @@
               <a:pPr>
                 <a:defRPr/>
               </a:pPr>
-              <a:t>4/22/2024</a:t>
+              <a:t>4/22/2025</a:t>
             </a:fld>
             <a:endParaRPr lang="en-US"/>
           </a:p>
@@ -496,7 +496,7 @@
               <a:pPr>
                 <a:defRPr/>
               </a:pPr>
-              <a:t>4/22/2024</a:t>
+              <a:t>4/22/2025</a:t>
             </a:fld>
             <a:endParaRPr lang="en-US"/>
           </a:p>
@@ -2143,7 +2143,7 @@
               <a:pPr>
                 <a:defRPr/>
               </a:pPr>
-              <a:t>4/22/2024</a:t>
+              <a:t>4/22/2025</a:t>
             </a:fld>
             <a:endParaRPr lang="en-US"/>
           </a:p>
@@ -2645,7 +2645,7 @@
               <a:pPr>
                 <a:defRPr/>
               </a:pPr>
-              <a:t>4/22/2024</a:t>
+              <a:t>4/22/2025</a:t>
             </a:fld>
             <a:endParaRPr lang="en-US"/>
           </a:p>
@@ -3069,7 +3069,7 @@
               <a:pPr>
                 <a:defRPr/>
               </a:pPr>
-              <a:t>4/22/2024</a:t>
+              <a:t>4/22/2025</a:t>
             </a:fld>
             <a:endParaRPr lang="en-US"/>
           </a:p>
@@ -3468,7 +3468,7 @@
               <a:pPr>
                 <a:defRPr/>
               </a:pPr>
-              <a:t>4/22/2024</a:t>
+              <a:t>4/22/2025</a:t>
             </a:fld>
             <a:endParaRPr lang="en-US"/>
           </a:p>
@@ -3877,7 +3877,7 @@
               <a:pPr>
                 <a:defRPr/>
               </a:pPr>
-              <a:t>4/22/2024</a:t>
+              <a:t>4/22/2025</a:t>
             </a:fld>
             <a:endParaRPr lang="en-US"/>
           </a:p>
@@ -4355,7 +4355,7 @@
               <a:pPr>
                 <a:defRPr/>
               </a:pPr>
-              <a:t>4/22/2024</a:t>
+              <a:t>4/22/2025</a:t>
             </a:fld>
             <a:endParaRPr lang="en-US"/>
           </a:p>
@@ -4754,7 +4754,7 @@
               <a:pPr>
                 <a:defRPr/>
               </a:pPr>
-              <a:t>4/22/2024</a:t>
+              <a:t>4/22/2025</a:t>
             </a:fld>
             <a:endParaRPr lang="en-US"/>
           </a:p>
@@ -5214,7 +5214,7 @@
               <a:pPr>
                 <a:defRPr/>
               </a:pPr>
-              <a:t>4/22/2024</a:t>
+              <a:t>4/22/2025</a:t>
             </a:fld>
             <a:endParaRPr lang="en-US"/>
           </a:p>
@@ -5809,7 +5809,7 @@
               <a:pPr>
                 <a:defRPr/>
               </a:pPr>
-              <a:t>4/22/2024</a:t>
+              <a:t>4/22/2025</a:t>
             </a:fld>
             <a:endParaRPr lang="en-US"/>
           </a:p>
@@ -6157,7 +6157,7 @@
               <a:pPr>
                 <a:defRPr/>
               </a:pPr>
-              <a:t>4/22/2024</a:t>
+              <a:t>4/22/2025</a:t>
             </a:fld>
             <a:endParaRPr lang="en-US"/>
           </a:p>
@@ -6446,7 +6446,7 @@
               <a:pPr>
                 <a:defRPr/>
               </a:pPr>
-              <a:t>4/22/2024</a:t>
+              <a:t>4/22/2025</a:t>
             </a:fld>
             <a:endParaRPr lang="en-US"/>
           </a:p>
@@ -8348,7 +8348,13 @@
       </p:sp>
       <p:pic>
         <p:nvPicPr>
-          <p:cNvPr id="27651" name="Picture 3"/>
+          <p:cNvPr id="2" name="Picture 1" descr="A screen shot of a computer&#10;&#10;AI-generated content may be incorrect.">
+            <a:extLst>
+              <a:ext uri="{FF2B5EF4-FFF2-40B4-BE49-F238E27FC236}">
+                <a16:creationId xmlns:a16="http://schemas.microsoft.com/office/drawing/2014/main" id="{2E5487D7-DB10-0CFF-D4C1-AB2673BA8036}"/>
+              </a:ext>
+            </a:extLst>
+          </p:cNvPr>
           <p:cNvPicPr>
             <a:picLocks noChangeAspect="1"/>
           </p:cNvPicPr>
@@ -8356,26 +8362,18 @@
         </p:nvPicPr>
         <p:blipFill>
           <a:blip r:embed="rId3"/>
-          <a:srcRect/>
           <a:stretch>
             <a:fillRect/>
           </a:stretch>
         </p:blipFill>
-        <p:spPr bwMode="auto">
-          <a:xfrm>
-            <a:off x="1058863" y="3178175"/>
-            <a:ext cx="8526462" cy="2998788"/>
+        <p:spPr>
+          <a:xfrm>
+            <a:off x="495518" y="3089787"/>
+            <a:ext cx="10894286" cy="2905143"/>
           </a:xfrm>
           <a:prstGeom prst="rect">
             <a:avLst/>
           </a:prstGeom>
-          <a:noFill/>
-          <a:ln w="9525">
-            <a:noFill/>
-            <a:miter lim="800000"/>
-            <a:headEnd/>
-            <a:tailEnd/>
-          </a:ln>
         </p:spPr>
       </p:pic>
     </p:spTree>
